--- a/Intro to R.pptx
+++ b/Intro to R.pptx
@@ -209,7 +209,7 @@
           <a:p>
             <a:fld id="{EDC31C7E-F785-2541-9563-68EB2BAD807E}" type="datetimeFigureOut">
               <a:rPr lang="en-US" smtClean="0"/>
-              <a:t>5/14/21</a:t>
+              <a:t>10/13/21</a:t>
             </a:fld>
             <a:endParaRPr lang="en-US"/>
           </a:p>
@@ -625,7 +625,7 @@
           <a:p>
             <a:fld id="{DF9B6A96-1D88-4E53-B152-D2E87FB43FCE}" type="datetimeFigureOut">
               <a:rPr lang="en-GB" smtClean="0"/>
-              <a:t>14/05/2021</a:t>
+              <a:t>13/10/2021</a:t>
             </a:fld>
             <a:endParaRPr lang="en-GB"/>
           </a:p>
@@ -825,7 +825,7 @@
           <a:p>
             <a:fld id="{DF9B6A96-1D88-4E53-B152-D2E87FB43FCE}" type="datetimeFigureOut">
               <a:rPr lang="en-GB" smtClean="0"/>
-              <a:t>14/05/2021</a:t>
+              <a:t>13/10/2021</a:t>
             </a:fld>
             <a:endParaRPr lang="en-GB"/>
           </a:p>
@@ -1035,7 +1035,7 @@
           <a:p>
             <a:fld id="{DF9B6A96-1D88-4E53-B152-D2E87FB43FCE}" type="datetimeFigureOut">
               <a:rPr lang="en-GB" smtClean="0"/>
-              <a:t>14/05/2021</a:t>
+              <a:t>13/10/2021</a:t>
             </a:fld>
             <a:endParaRPr lang="en-GB"/>
           </a:p>
@@ -1235,7 +1235,7 @@
           <a:p>
             <a:fld id="{DF9B6A96-1D88-4E53-B152-D2E87FB43FCE}" type="datetimeFigureOut">
               <a:rPr lang="en-GB" smtClean="0"/>
-              <a:t>14/05/2021</a:t>
+              <a:t>13/10/2021</a:t>
             </a:fld>
             <a:endParaRPr lang="en-GB"/>
           </a:p>
@@ -1511,7 +1511,7 @@
           <a:p>
             <a:fld id="{DF9B6A96-1D88-4E53-B152-D2E87FB43FCE}" type="datetimeFigureOut">
               <a:rPr lang="en-GB" smtClean="0"/>
-              <a:t>14/05/2021</a:t>
+              <a:t>13/10/2021</a:t>
             </a:fld>
             <a:endParaRPr lang="en-GB"/>
           </a:p>
@@ -1779,7 +1779,7 @@
           <a:p>
             <a:fld id="{DF9B6A96-1D88-4E53-B152-D2E87FB43FCE}" type="datetimeFigureOut">
               <a:rPr lang="en-GB" smtClean="0"/>
-              <a:t>14/05/2021</a:t>
+              <a:t>13/10/2021</a:t>
             </a:fld>
             <a:endParaRPr lang="en-GB"/>
           </a:p>
@@ -2194,7 +2194,7 @@
           <a:p>
             <a:fld id="{DF9B6A96-1D88-4E53-B152-D2E87FB43FCE}" type="datetimeFigureOut">
               <a:rPr lang="en-GB" smtClean="0"/>
-              <a:t>14/05/2021</a:t>
+              <a:t>13/10/2021</a:t>
             </a:fld>
             <a:endParaRPr lang="en-GB"/>
           </a:p>
@@ -2336,7 +2336,7 @@
           <a:p>
             <a:fld id="{DF9B6A96-1D88-4E53-B152-D2E87FB43FCE}" type="datetimeFigureOut">
               <a:rPr lang="en-GB" smtClean="0"/>
-              <a:t>14/05/2021</a:t>
+              <a:t>13/10/2021</a:t>
             </a:fld>
             <a:endParaRPr lang="en-GB"/>
           </a:p>
@@ -2449,7 +2449,7 @@
           <a:p>
             <a:fld id="{DF9B6A96-1D88-4E53-B152-D2E87FB43FCE}" type="datetimeFigureOut">
               <a:rPr lang="en-GB" smtClean="0"/>
-              <a:t>14/05/2021</a:t>
+              <a:t>13/10/2021</a:t>
             </a:fld>
             <a:endParaRPr lang="en-GB"/>
           </a:p>
@@ -2762,7 +2762,7 @@
           <a:p>
             <a:fld id="{DF9B6A96-1D88-4E53-B152-D2E87FB43FCE}" type="datetimeFigureOut">
               <a:rPr lang="en-GB" smtClean="0"/>
-              <a:t>14/05/2021</a:t>
+              <a:t>13/10/2021</a:t>
             </a:fld>
             <a:endParaRPr lang="en-GB"/>
           </a:p>
@@ -3051,7 +3051,7 @@
           <a:p>
             <a:fld id="{DF9B6A96-1D88-4E53-B152-D2E87FB43FCE}" type="datetimeFigureOut">
               <a:rPr lang="en-GB" smtClean="0"/>
-              <a:t>14/05/2021</a:t>
+              <a:t>13/10/2021</a:t>
             </a:fld>
             <a:endParaRPr lang="en-GB"/>
           </a:p>
@@ -3294,7 +3294,7 @@
           <a:p>
             <a:fld id="{DF9B6A96-1D88-4E53-B152-D2E87FB43FCE}" type="datetimeFigureOut">
               <a:rPr lang="en-GB" smtClean="0"/>
-              <a:t>14/05/2021</a:t>
+              <a:t>13/10/2021</a:t>
             </a:fld>
             <a:endParaRPr lang="en-GB"/>
           </a:p>
@@ -3847,15 +3847,15 @@
           </a:p>
           <a:p>
             <a:r>
-              <a:rPr lang="en-US" dirty="0"/>
-              <a:t>14 May,</a:t>
+              <a:rPr lang="en-US"/>
+              <a:t>13 October,</a:t>
             </a:r>
             <a:r>
               <a:rPr lang="x-none"/>
               <a:t> 20</a:t>
             </a:r>
             <a:r>
-              <a:rPr lang="sr-Latn-RS"/>
+              <a:rPr lang="sr-Latn-RS" dirty="0"/>
               <a:t>21</a:t>
             </a:r>
             <a:endParaRPr lang="en-GB" dirty="0"/>

--- a/Intro to R.pptx
+++ b/Intro to R.pptx
@@ -209,7 +209,7 @@
           <a:p>
             <a:fld id="{EDC31C7E-F785-2541-9563-68EB2BAD807E}" type="datetimeFigureOut">
               <a:rPr lang="en-US" smtClean="0"/>
-              <a:t>11/22/2022</a:t>
+              <a:t>4/26/2023</a:t>
             </a:fld>
             <a:endParaRPr lang="en-US"/>
           </a:p>
@@ -625,7 +625,7 @@
           <a:p>
             <a:fld id="{DF9B6A96-1D88-4E53-B152-D2E87FB43FCE}" type="datetimeFigureOut">
               <a:rPr lang="en-GB" smtClean="0"/>
-              <a:t>22/11/2022</a:t>
+              <a:t>26/04/2023</a:t>
             </a:fld>
             <a:endParaRPr lang="en-GB"/>
           </a:p>
@@ -825,7 +825,7 @@
           <a:p>
             <a:fld id="{DF9B6A96-1D88-4E53-B152-D2E87FB43FCE}" type="datetimeFigureOut">
               <a:rPr lang="en-GB" smtClean="0"/>
-              <a:t>22/11/2022</a:t>
+              <a:t>26/04/2023</a:t>
             </a:fld>
             <a:endParaRPr lang="en-GB"/>
           </a:p>
@@ -1035,7 +1035,7 @@
           <a:p>
             <a:fld id="{DF9B6A96-1D88-4E53-B152-D2E87FB43FCE}" type="datetimeFigureOut">
               <a:rPr lang="en-GB" smtClean="0"/>
-              <a:t>22/11/2022</a:t>
+              <a:t>26/04/2023</a:t>
             </a:fld>
             <a:endParaRPr lang="en-GB"/>
           </a:p>
@@ -1235,7 +1235,7 @@
           <a:p>
             <a:fld id="{DF9B6A96-1D88-4E53-B152-D2E87FB43FCE}" type="datetimeFigureOut">
               <a:rPr lang="en-GB" smtClean="0"/>
-              <a:t>22/11/2022</a:t>
+              <a:t>26/04/2023</a:t>
             </a:fld>
             <a:endParaRPr lang="en-GB"/>
           </a:p>
@@ -1511,7 +1511,7 @@
           <a:p>
             <a:fld id="{DF9B6A96-1D88-4E53-B152-D2E87FB43FCE}" type="datetimeFigureOut">
               <a:rPr lang="en-GB" smtClean="0"/>
-              <a:t>22/11/2022</a:t>
+              <a:t>26/04/2023</a:t>
             </a:fld>
             <a:endParaRPr lang="en-GB"/>
           </a:p>
@@ -1779,7 +1779,7 @@
           <a:p>
             <a:fld id="{DF9B6A96-1D88-4E53-B152-D2E87FB43FCE}" type="datetimeFigureOut">
               <a:rPr lang="en-GB" smtClean="0"/>
-              <a:t>22/11/2022</a:t>
+              <a:t>26/04/2023</a:t>
             </a:fld>
             <a:endParaRPr lang="en-GB"/>
           </a:p>
@@ -2194,7 +2194,7 @@
           <a:p>
             <a:fld id="{DF9B6A96-1D88-4E53-B152-D2E87FB43FCE}" type="datetimeFigureOut">
               <a:rPr lang="en-GB" smtClean="0"/>
-              <a:t>22/11/2022</a:t>
+              <a:t>26/04/2023</a:t>
             </a:fld>
             <a:endParaRPr lang="en-GB"/>
           </a:p>
@@ -2336,7 +2336,7 @@
           <a:p>
             <a:fld id="{DF9B6A96-1D88-4E53-B152-D2E87FB43FCE}" type="datetimeFigureOut">
               <a:rPr lang="en-GB" smtClean="0"/>
-              <a:t>22/11/2022</a:t>
+              <a:t>26/04/2023</a:t>
             </a:fld>
             <a:endParaRPr lang="en-GB"/>
           </a:p>
@@ -2449,7 +2449,7 @@
           <a:p>
             <a:fld id="{DF9B6A96-1D88-4E53-B152-D2E87FB43FCE}" type="datetimeFigureOut">
               <a:rPr lang="en-GB" smtClean="0"/>
-              <a:t>22/11/2022</a:t>
+              <a:t>26/04/2023</a:t>
             </a:fld>
             <a:endParaRPr lang="en-GB"/>
           </a:p>
@@ -2762,7 +2762,7 @@
           <a:p>
             <a:fld id="{DF9B6A96-1D88-4E53-B152-D2E87FB43FCE}" type="datetimeFigureOut">
               <a:rPr lang="en-GB" smtClean="0"/>
-              <a:t>22/11/2022</a:t>
+              <a:t>26/04/2023</a:t>
             </a:fld>
             <a:endParaRPr lang="en-GB"/>
           </a:p>
@@ -3051,7 +3051,7 @@
           <a:p>
             <a:fld id="{DF9B6A96-1D88-4E53-B152-D2E87FB43FCE}" type="datetimeFigureOut">
               <a:rPr lang="en-GB" smtClean="0"/>
-              <a:t>22/11/2022</a:t>
+              <a:t>26/04/2023</a:t>
             </a:fld>
             <a:endParaRPr lang="en-GB"/>
           </a:p>
@@ -3294,7 +3294,7 @@
           <a:p>
             <a:fld id="{DF9B6A96-1D88-4E53-B152-D2E87FB43FCE}" type="datetimeFigureOut">
               <a:rPr lang="en-GB" smtClean="0"/>
-              <a:t>22/11/2022</a:t>
+              <a:t>26/04/2023</a:t>
             </a:fld>
             <a:endParaRPr lang="en-GB"/>
           </a:p>
@@ -3796,7 +3796,7 @@
           <a:p>
             <a:r>
               <a:rPr lang="sr-Latn-RS" dirty="0"/>
-              <a:t>22</a:t>
+              <a:t>26</a:t>
             </a:r>
             <a:r>
               <a:rPr lang="en-US" dirty="0"/>
@@ -3804,7 +3804,7 @@
             </a:r>
             <a:r>
               <a:rPr lang="sr-Latn-RS" dirty="0"/>
-              <a:t>November</a:t>
+              <a:t>April</a:t>
             </a:r>
             <a:r>
               <a:rPr lang="en-US" dirty="0"/>
@@ -3816,7 +3816,7 @@
             </a:r>
             <a:r>
               <a:rPr lang="sr-Latn-RS"/>
-              <a:t>22</a:t>
+              <a:t>23</a:t>
             </a:r>
             <a:endParaRPr lang="en-GB" dirty="0"/>
           </a:p>

--- a/Intro to R.pptx
+++ b/Intro to R.pptx
@@ -209,7 +209,7 @@
           <a:p>
             <a:fld id="{EDC31C7E-F785-2541-9563-68EB2BAD807E}" type="datetimeFigureOut">
               <a:rPr lang="en-US" smtClean="0"/>
-              <a:t>4/26/2023</a:t>
+              <a:t>11/8/2023</a:t>
             </a:fld>
             <a:endParaRPr lang="en-US"/>
           </a:p>
@@ -625,7 +625,7 @@
           <a:p>
             <a:fld id="{DF9B6A96-1D88-4E53-B152-D2E87FB43FCE}" type="datetimeFigureOut">
               <a:rPr lang="en-GB" smtClean="0"/>
-              <a:t>26/04/2023</a:t>
+              <a:t>08/11/2023</a:t>
             </a:fld>
             <a:endParaRPr lang="en-GB"/>
           </a:p>
@@ -825,7 +825,7 @@
           <a:p>
             <a:fld id="{DF9B6A96-1D88-4E53-B152-D2E87FB43FCE}" type="datetimeFigureOut">
               <a:rPr lang="en-GB" smtClean="0"/>
-              <a:t>26/04/2023</a:t>
+              <a:t>08/11/2023</a:t>
             </a:fld>
             <a:endParaRPr lang="en-GB"/>
           </a:p>
@@ -1035,7 +1035,7 @@
           <a:p>
             <a:fld id="{DF9B6A96-1D88-4E53-B152-D2E87FB43FCE}" type="datetimeFigureOut">
               <a:rPr lang="en-GB" smtClean="0"/>
-              <a:t>26/04/2023</a:t>
+              <a:t>08/11/2023</a:t>
             </a:fld>
             <a:endParaRPr lang="en-GB"/>
           </a:p>
@@ -1235,7 +1235,7 @@
           <a:p>
             <a:fld id="{DF9B6A96-1D88-4E53-B152-D2E87FB43FCE}" type="datetimeFigureOut">
               <a:rPr lang="en-GB" smtClean="0"/>
-              <a:t>26/04/2023</a:t>
+              <a:t>08/11/2023</a:t>
             </a:fld>
             <a:endParaRPr lang="en-GB"/>
           </a:p>
@@ -1511,7 +1511,7 @@
           <a:p>
             <a:fld id="{DF9B6A96-1D88-4E53-B152-D2E87FB43FCE}" type="datetimeFigureOut">
               <a:rPr lang="en-GB" smtClean="0"/>
-              <a:t>26/04/2023</a:t>
+              <a:t>08/11/2023</a:t>
             </a:fld>
             <a:endParaRPr lang="en-GB"/>
           </a:p>
@@ -1779,7 +1779,7 @@
           <a:p>
             <a:fld id="{DF9B6A96-1D88-4E53-B152-D2E87FB43FCE}" type="datetimeFigureOut">
               <a:rPr lang="en-GB" smtClean="0"/>
-              <a:t>26/04/2023</a:t>
+              <a:t>08/11/2023</a:t>
             </a:fld>
             <a:endParaRPr lang="en-GB"/>
           </a:p>
@@ -2194,7 +2194,7 @@
           <a:p>
             <a:fld id="{DF9B6A96-1D88-4E53-B152-D2E87FB43FCE}" type="datetimeFigureOut">
               <a:rPr lang="en-GB" smtClean="0"/>
-              <a:t>26/04/2023</a:t>
+              <a:t>08/11/2023</a:t>
             </a:fld>
             <a:endParaRPr lang="en-GB"/>
           </a:p>
@@ -2336,7 +2336,7 @@
           <a:p>
             <a:fld id="{DF9B6A96-1D88-4E53-B152-D2E87FB43FCE}" type="datetimeFigureOut">
               <a:rPr lang="en-GB" smtClean="0"/>
-              <a:t>26/04/2023</a:t>
+              <a:t>08/11/2023</a:t>
             </a:fld>
             <a:endParaRPr lang="en-GB"/>
           </a:p>
@@ -2449,7 +2449,7 @@
           <a:p>
             <a:fld id="{DF9B6A96-1D88-4E53-B152-D2E87FB43FCE}" type="datetimeFigureOut">
               <a:rPr lang="en-GB" smtClean="0"/>
-              <a:t>26/04/2023</a:t>
+              <a:t>08/11/2023</a:t>
             </a:fld>
             <a:endParaRPr lang="en-GB"/>
           </a:p>
@@ -2762,7 +2762,7 @@
           <a:p>
             <a:fld id="{DF9B6A96-1D88-4E53-B152-D2E87FB43FCE}" type="datetimeFigureOut">
               <a:rPr lang="en-GB" smtClean="0"/>
-              <a:t>26/04/2023</a:t>
+              <a:t>08/11/2023</a:t>
             </a:fld>
             <a:endParaRPr lang="en-GB"/>
           </a:p>
@@ -3051,7 +3051,7 @@
           <a:p>
             <a:fld id="{DF9B6A96-1D88-4E53-B152-D2E87FB43FCE}" type="datetimeFigureOut">
               <a:rPr lang="en-GB" smtClean="0"/>
-              <a:t>26/04/2023</a:t>
+              <a:t>08/11/2023</a:t>
             </a:fld>
             <a:endParaRPr lang="en-GB"/>
           </a:p>
@@ -3294,7 +3294,7 @@
           <a:p>
             <a:fld id="{DF9B6A96-1D88-4E53-B152-D2E87FB43FCE}" type="datetimeFigureOut">
               <a:rPr lang="en-GB" smtClean="0"/>
-              <a:t>26/04/2023</a:t>
+              <a:t>08/11/2023</a:t>
             </a:fld>
             <a:endParaRPr lang="en-GB"/>
           </a:p>
@@ -3796,18 +3796,18 @@
           <a:p>
             <a:r>
               <a:rPr lang="sr-Latn-RS" dirty="0"/>
-              <a:t>26</a:t>
+              <a:t>8</a:t>
             </a:r>
             <a:r>
               <a:rPr lang="en-US" dirty="0"/>
               <a:t> </a:t>
             </a:r>
             <a:r>
-              <a:rPr lang="sr-Latn-RS" dirty="0"/>
-              <a:t>April</a:t>
-            </a:r>
-            <a:r>
-              <a:rPr lang="en-US" dirty="0"/>
+              <a:rPr lang="sr-Latn-RS"/>
+              <a:t>November</a:t>
+            </a:r>
+            <a:r>
+              <a:rPr lang="en-US"/>
               <a:t>,</a:t>
             </a:r>
             <a:r>
@@ -3815,7 +3815,7 @@
               <a:t> 20</a:t>
             </a:r>
             <a:r>
-              <a:rPr lang="sr-Latn-RS"/>
+              <a:rPr lang="sr-Latn-RS" dirty="0"/>
               <a:t>23</a:t>
             </a:r>
             <a:endParaRPr lang="en-GB" dirty="0"/>

--- a/Intro to R.pptx
+++ b/Intro to R.pptx
@@ -209,7 +209,7 @@
           <a:p>
             <a:fld id="{EDC31C7E-F785-2541-9563-68EB2BAD807E}" type="datetimeFigureOut">
               <a:rPr lang="en-US" smtClean="0"/>
-              <a:t>11/8/2023</a:t>
+              <a:t>5/21/2024</a:t>
             </a:fld>
             <a:endParaRPr lang="en-US"/>
           </a:p>
@@ -625,7 +625,7 @@
           <a:p>
             <a:fld id="{DF9B6A96-1D88-4E53-B152-D2E87FB43FCE}" type="datetimeFigureOut">
               <a:rPr lang="en-GB" smtClean="0"/>
-              <a:t>08/11/2023</a:t>
+              <a:t>21/05/2024</a:t>
             </a:fld>
             <a:endParaRPr lang="en-GB"/>
           </a:p>
@@ -825,7 +825,7 @@
           <a:p>
             <a:fld id="{DF9B6A96-1D88-4E53-B152-D2E87FB43FCE}" type="datetimeFigureOut">
               <a:rPr lang="en-GB" smtClean="0"/>
-              <a:t>08/11/2023</a:t>
+              <a:t>21/05/2024</a:t>
             </a:fld>
             <a:endParaRPr lang="en-GB"/>
           </a:p>
@@ -1035,7 +1035,7 @@
           <a:p>
             <a:fld id="{DF9B6A96-1D88-4E53-B152-D2E87FB43FCE}" type="datetimeFigureOut">
               <a:rPr lang="en-GB" smtClean="0"/>
-              <a:t>08/11/2023</a:t>
+              <a:t>21/05/2024</a:t>
             </a:fld>
             <a:endParaRPr lang="en-GB"/>
           </a:p>
@@ -1235,7 +1235,7 @@
           <a:p>
             <a:fld id="{DF9B6A96-1D88-4E53-B152-D2E87FB43FCE}" type="datetimeFigureOut">
               <a:rPr lang="en-GB" smtClean="0"/>
-              <a:t>08/11/2023</a:t>
+              <a:t>21/05/2024</a:t>
             </a:fld>
             <a:endParaRPr lang="en-GB"/>
           </a:p>
@@ -1511,7 +1511,7 @@
           <a:p>
             <a:fld id="{DF9B6A96-1D88-4E53-B152-D2E87FB43FCE}" type="datetimeFigureOut">
               <a:rPr lang="en-GB" smtClean="0"/>
-              <a:t>08/11/2023</a:t>
+              <a:t>21/05/2024</a:t>
             </a:fld>
             <a:endParaRPr lang="en-GB"/>
           </a:p>
@@ -1779,7 +1779,7 @@
           <a:p>
             <a:fld id="{DF9B6A96-1D88-4E53-B152-D2E87FB43FCE}" type="datetimeFigureOut">
               <a:rPr lang="en-GB" smtClean="0"/>
-              <a:t>08/11/2023</a:t>
+              <a:t>21/05/2024</a:t>
             </a:fld>
             <a:endParaRPr lang="en-GB"/>
           </a:p>
@@ -2194,7 +2194,7 @@
           <a:p>
             <a:fld id="{DF9B6A96-1D88-4E53-B152-D2E87FB43FCE}" type="datetimeFigureOut">
               <a:rPr lang="en-GB" smtClean="0"/>
-              <a:t>08/11/2023</a:t>
+              <a:t>21/05/2024</a:t>
             </a:fld>
             <a:endParaRPr lang="en-GB"/>
           </a:p>
@@ -2336,7 +2336,7 @@
           <a:p>
             <a:fld id="{DF9B6A96-1D88-4E53-B152-D2E87FB43FCE}" type="datetimeFigureOut">
               <a:rPr lang="en-GB" smtClean="0"/>
-              <a:t>08/11/2023</a:t>
+              <a:t>21/05/2024</a:t>
             </a:fld>
             <a:endParaRPr lang="en-GB"/>
           </a:p>
@@ -2449,7 +2449,7 @@
           <a:p>
             <a:fld id="{DF9B6A96-1D88-4E53-B152-D2E87FB43FCE}" type="datetimeFigureOut">
               <a:rPr lang="en-GB" smtClean="0"/>
-              <a:t>08/11/2023</a:t>
+              <a:t>21/05/2024</a:t>
             </a:fld>
             <a:endParaRPr lang="en-GB"/>
           </a:p>
@@ -2762,7 +2762,7 @@
           <a:p>
             <a:fld id="{DF9B6A96-1D88-4E53-B152-D2E87FB43FCE}" type="datetimeFigureOut">
               <a:rPr lang="en-GB" smtClean="0"/>
-              <a:t>08/11/2023</a:t>
+              <a:t>21/05/2024</a:t>
             </a:fld>
             <a:endParaRPr lang="en-GB"/>
           </a:p>
@@ -3051,7 +3051,7 @@
           <a:p>
             <a:fld id="{DF9B6A96-1D88-4E53-B152-D2E87FB43FCE}" type="datetimeFigureOut">
               <a:rPr lang="en-GB" smtClean="0"/>
-              <a:t>08/11/2023</a:t>
+              <a:t>21/05/2024</a:t>
             </a:fld>
             <a:endParaRPr lang="en-GB"/>
           </a:p>
@@ -3294,7 +3294,7 @@
           <a:p>
             <a:fld id="{DF9B6A96-1D88-4E53-B152-D2E87FB43FCE}" type="datetimeFigureOut">
               <a:rPr lang="en-GB" smtClean="0"/>
-              <a:t>08/11/2023</a:t>
+              <a:t>21/05/2024</a:t>
             </a:fld>
             <a:endParaRPr lang="en-GB"/>
           </a:p>
@@ -3796,18 +3796,18 @@
           <a:p>
             <a:r>
               <a:rPr lang="sr-Latn-RS" dirty="0"/>
-              <a:t>8</a:t>
+              <a:t>21</a:t>
             </a:r>
             <a:r>
               <a:rPr lang="en-US" dirty="0"/>
               <a:t> </a:t>
             </a:r>
             <a:r>
-              <a:rPr lang="sr-Latn-RS"/>
-              <a:t>November</a:t>
-            </a:r>
-            <a:r>
-              <a:rPr lang="en-US"/>
+              <a:rPr lang="sr-Latn-RS" dirty="0"/>
+              <a:t>May</a:t>
+            </a:r>
+            <a:r>
+              <a:rPr lang="en-US" dirty="0"/>
               <a:t>,</a:t>
             </a:r>
             <a:r>
@@ -3815,8 +3815,8 @@
               <a:t> 20</a:t>
             </a:r>
             <a:r>
-              <a:rPr lang="sr-Latn-RS" dirty="0"/>
-              <a:t>23</a:t>
+              <a:rPr lang="sr-Latn-RS"/>
+              <a:t>24</a:t>
             </a:r>
             <a:endParaRPr lang="en-GB" dirty="0"/>
           </a:p>
